--- a/Poster/Yantao.pptx
+++ b/Poster/Yantao.pptx
@@ -314,7 +314,7 @@
           <a:p>
             <a:fld id="{EB34BA43-0F7D-4033-AB9D-92078B0AF92D}" type="datetimeFigureOut">
               <a:rPr lang="en-US" smtClean="0"/>
-              <a:t>3/16/2024</a:t>
+              <a:t>3/17/2024</a:t>
             </a:fld>
             <a:endParaRPr lang="en-US"/>
           </a:p>
@@ -482,7 +482,7 @@
           <a:p>
             <a:fld id="{EB34BA43-0F7D-4033-AB9D-92078B0AF92D}" type="datetimeFigureOut">
               <a:rPr lang="en-US" smtClean="0"/>
-              <a:t>3/16/2024</a:t>
+              <a:t>3/17/2024</a:t>
             </a:fld>
             <a:endParaRPr lang="en-US"/>
           </a:p>
@@ -660,7 +660,7 @@
           <a:p>
             <a:fld id="{EB34BA43-0F7D-4033-AB9D-92078B0AF92D}" type="datetimeFigureOut">
               <a:rPr lang="en-US" smtClean="0"/>
-              <a:t>3/16/2024</a:t>
+              <a:t>3/17/2024</a:t>
             </a:fld>
             <a:endParaRPr lang="en-US"/>
           </a:p>
@@ -828,7 +828,7 @@
           <a:p>
             <a:fld id="{EB34BA43-0F7D-4033-AB9D-92078B0AF92D}" type="datetimeFigureOut">
               <a:rPr lang="en-US" smtClean="0"/>
-              <a:t>3/16/2024</a:t>
+              <a:t>3/17/2024</a:t>
             </a:fld>
             <a:endParaRPr lang="en-US"/>
           </a:p>
@@ -1073,7 +1073,7 @@
           <a:p>
             <a:fld id="{EB34BA43-0F7D-4033-AB9D-92078B0AF92D}" type="datetimeFigureOut">
               <a:rPr lang="en-US" smtClean="0"/>
-              <a:t>3/16/2024</a:t>
+              <a:t>3/17/2024</a:t>
             </a:fld>
             <a:endParaRPr lang="en-US"/>
           </a:p>
@@ -1358,7 +1358,7 @@
           <a:p>
             <a:fld id="{EB34BA43-0F7D-4033-AB9D-92078B0AF92D}" type="datetimeFigureOut">
               <a:rPr lang="en-US" smtClean="0"/>
-              <a:t>3/16/2024</a:t>
+              <a:t>3/17/2024</a:t>
             </a:fld>
             <a:endParaRPr lang="en-US"/>
           </a:p>
@@ -1777,7 +1777,7 @@
           <a:p>
             <a:fld id="{EB34BA43-0F7D-4033-AB9D-92078B0AF92D}" type="datetimeFigureOut">
               <a:rPr lang="en-US" smtClean="0"/>
-              <a:t>3/16/2024</a:t>
+              <a:t>3/17/2024</a:t>
             </a:fld>
             <a:endParaRPr lang="en-US"/>
           </a:p>
@@ -1894,7 +1894,7 @@
           <a:p>
             <a:fld id="{EB34BA43-0F7D-4033-AB9D-92078B0AF92D}" type="datetimeFigureOut">
               <a:rPr lang="en-US" smtClean="0"/>
-              <a:t>3/16/2024</a:t>
+              <a:t>3/17/2024</a:t>
             </a:fld>
             <a:endParaRPr lang="en-US"/>
           </a:p>
@@ -1989,7 +1989,7 @@
           <a:p>
             <a:fld id="{EB34BA43-0F7D-4033-AB9D-92078B0AF92D}" type="datetimeFigureOut">
               <a:rPr lang="en-US" smtClean="0"/>
-              <a:t>3/16/2024</a:t>
+              <a:t>3/17/2024</a:t>
             </a:fld>
             <a:endParaRPr lang="en-US"/>
           </a:p>
@@ -2264,7 +2264,7 @@
           <a:p>
             <a:fld id="{EB34BA43-0F7D-4033-AB9D-92078B0AF92D}" type="datetimeFigureOut">
               <a:rPr lang="en-US" smtClean="0"/>
-              <a:t>3/16/2024</a:t>
+              <a:t>3/17/2024</a:t>
             </a:fld>
             <a:endParaRPr lang="en-US"/>
           </a:p>
@@ -2516,7 +2516,7 @@
           <a:p>
             <a:fld id="{EB34BA43-0F7D-4033-AB9D-92078B0AF92D}" type="datetimeFigureOut">
               <a:rPr lang="en-US" smtClean="0"/>
-              <a:t>3/16/2024</a:t>
+              <a:t>3/17/2024</a:t>
             </a:fld>
             <a:endParaRPr lang="en-US"/>
           </a:p>
@@ -2727,7 +2727,7 @@
           <a:p>
             <a:fld id="{EB34BA43-0F7D-4033-AB9D-92078B0AF92D}" type="datetimeFigureOut">
               <a:rPr lang="en-US" smtClean="0"/>
-              <a:t>3/16/2024</a:t>
+              <a:t>3/17/2024</a:t>
             </a:fld>
             <a:endParaRPr lang="en-US"/>
           </a:p>
@@ -3313,7 +3313,7 @@
         <p:spPr>
           <a:xfrm>
             <a:off x="375451" y="200703"/>
-            <a:ext cx="20794674" cy="2749713"/>
+            <a:ext cx="20794674" cy="3365266"/>
           </a:xfrm>
           <a:prstGeom prst="rect">
             <a:avLst/>
@@ -3360,33 +3360,27 @@
           <a:p>
             <a:pPr algn="ctr"/>
             <a:r>
-              <a:rPr lang="en-US" sz="4000" b="1">
+              <a:rPr lang="en-US" sz="3600" b="1" dirty="0">
                 <a:solidFill>
                   <a:schemeClr val="bg1"/>
                 </a:solidFill>
                 <a:latin typeface="Arial Narrow" panose="020B0606020202030204" pitchFamily="34" charset="0"/>
               </a:rPr>
-              <a:t>Data Science| </a:t>
-            </a:r>
-            <a:r>
-              <a:rPr lang="en-US" sz="4000" b="1" dirty="0">
+              <a:t>Data Science| Signature Work Class of 2024</a:t>
+            </a:r>
+          </a:p>
+          <a:p>
+            <a:pPr algn="ctr"/>
+            <a:r>
+              <a:rPr lang="en-US" altLang="zh-CN" sz="3600" b="1" dirty="0">
                 <a:solidFill>
                   <a:schemeClr val="bg1"/>
                 </a:solidFill>
                 <a:latin typeface="Arial Narrow" panose="020B0606020202030204" pitchFamily="34" charset="0"/>
               </a:rPr>
-              <a:t>Signature Work Class </a:t>
-            </a:r>
-            <a:r>
-              <a:rPr lang="en-US" sz="4000" b="1">
-                <a:solidFill>
-                  <a:schemeClr val="bg1"/>
-                </a:solidFill>
-                <a:latin typeface="Arial Narrow" panose="020B0606020202030204" pitchFamily="34" charset="0"/>
-              </a:rPr>
-              <a:t>of 2024</a:t>
-            </a:r>
-            <a:endParaRPr lang="en-US" sz="4000" b="1" dirty="0">
+              <a:t>Mentor: Prof. Benjamin Bacon</a:t>
+            </a:r>
+            <a:endParaRPr lang="en-US" sz="3600" b="1" dirty="0">
               <a:solidFill>
                 <a:schemeClr val="bg1"/>
               </a:solidFill>
